--- a/作业2.pptx
+++ b/作业2.pptx
@@ -444,7 +444,7 @@
           <a:p>
             <a:fld id="{697CB648-7F11-4C5A-91DB-973347A2A8FB}" type="datetimeFigureOut">
               <a:rPr lang="zh-CN" altLang="en-US" smtClean="0"/>
-              <a:t>2020/11/12</a:t>
+              <a:t>2020/11/19</a:t>
             </a:fld>
             <a:endParaRPr lang="zh-CN" altLang="en-US"/>
           </a:p>
@@ -612,7 +612,7 @@
           <a:p>
             <a:fld id="{697CB648-7F11-4C5A-91DB-973347A2A8FB}" type="datetimeFigureOut">
               <a:rPr lang="zh-CN" altLang="en-US" smtClean="0"/>
-              <a:t>2020/11/12</a:t>
+              <a:t>2020/11/19</a:t>
             </a:fld>
             <a:endParaRPr lang="zh-CN" altLang="en-US"/>
           </a:p>
@@ -790,7 +790,7 @@
           <a:p>
             <a:fld id="{697CB648-7F11-4C5A-91DB-973347A2A8FB}" type="datetimeFigureOut">
               <a:rPr lang="zh-CN" altLang="en-US" smtClean="0"/>
-              <a:t>2020/11/12</a:t>
+              <a:t>2020/11/19</a:t>
             </a:fld>
             <a:endParaRPr lang="zh-CN" altLang="en-US"/>
           </a:p>
@@ -958,7 +958,7 @@
           <a:p>
             <a:fld id="{697CB648-7F11-4C5A-91DB-973347A2A8FB}" type="datetimeFigureOut">
               <a:rPr lang="zh-CN" altLang="en-US" smtClean="0"/>
-              <a:t>2020/11/12</a:t>
+              <a:t>2020/11/19</a:t>
             </a:fld>
             <a:endParaRPr lang="zh-CN" altLang="en-US"/>
           </a:p>
@@ -1203,7 +1203,7 @@
           <a:p>
             <a:fld id="{697CB648-7F11-4C5A-91DB-973347A2A8FB}" type="datetimeFigureOut">
               <a:rPr lang="zh-CN" altLang="en-US" smtClean="0"/>
-              <a:t>2020/11/12</a:t>
+              <a:t>2020/11/19</a:t>
             </a:fld>
             <a:endParaRPr lang="zh-CN" altLang="en-US"/>
           </a:p>
@@ -1432,7 +1432,7 @@
           <a:p>
             <a:fld id="{697CB648-7F11-4C5A-91DB-973347A2A8FB}" type="datetimeFigureOut">
               <a:rPr lang="zh-CN" altLang="en-US" smtClean="0"/>
-              <a:t>2020/11/12</a:t>
+              <a:t>2020/11/19</a:t>
             </a:fld>
             <a:endParaRPr lang="zh-CN" altLang="en-US"/>
           </a:p>
@@ -1796,7 +1796,7 @@
           <a:p>
             <a:fld id="{697CB648-7F11-4C5A-91DB-973347A2A8FB}" type="datetimeFigureOut">
               <a:rPr lang="zh-CN" altLang="en-US" smtClean="0"/>
-              <a:t>2020/11/12</a:t>
+              <a:t>2020/11/19</a:t>
             </a:fld>
             <a:endParaRPr lang="zh-CN" altLang="en-US"/>
           </a:p>
@@ -1913,7 +1913,7 @@
           <a:p>
             <a:fld id="{697CB648-7F11-4C5A-91DB-973347A2A8FB}" type="datetimeFigureOut">
               <a:rPr lang="zh-CN" altLang="en-US" smtClean="0"/>
-              <a:t>2020/11/12</a:t>
+              <a:t>2020/11/19</a:t>
             </a:fld>
             <a:endParaRPr lang="zh-CN" altLang="en-US"/>
           </a:p>
@@ -2008,7 +2008,7 @@
           <a:p>
             <a:fld id="{697CB648-7F11-4C5A-91DB-973347A2A8FB}" type="datetimeFigureOut">
               <a:rPr lang="zh-CN" altLang="en-US" smtClean="0"/>
-              <a:t>2020/11/12</a:t>
+              <a:t>2020/11/19</a:t>
             </a:fld>
             <a:endParaRPr lang="zh-CN" altLang="en-US"/>
           </a:p>
@@ -2283,7 +2283,7 @@
           <a:p>
             <a:fld id="{697CB648-7F11-4C5A-91DB-973347A2A8FB}" type="datetimeFigureOut">
               <a:rPr lang="zh-CN" altLang="en-US" smtClean="0"/>
-              <a:t>2020/11/12</a:t>
+              <a:t>2020/11/19</a:t>
             </a:fld>
             <a:endParaRPr lang="zh-CN" altLang="en-US"/>
           </a:p>
@@ -2535,7 +2535,7 @@
           <a:p>
             <a:fld id="{697CB648-7F11-4C5A-91DB-973347A2A8FB}" type="datetimeFigureOut">
               <a:rPr lang="zh-CN" altLang="en-US" smtClean="0"/>
-              <a:t>2020/11/12</a:t>
+              <a:t>2020/11/19</a:t>
             </a:fld>
             <a:endParaRPr lang="zh-CN" altLang="en-US"/>
           </a:p>
@@ -2746,7 +2746,7 @@
           <a:p>
             <a:fld id="{697CB648-7F11-4C5A-91DB-973347A2A8FB}" type="datetimeFigureOut">
               <a:rPr lang="zh-CN" altLang="en-US" smtClean="0"/>
-              <a:t>2020/11/12</a:t>
+              <a:t>2020/11/19</a:t>
             </a:fld>
             <a:endParaRPr lang="zh-CN" altLang="en-US"/>
           </a:p>
@@ -3545,6 +3545,42 @@
           </a:prstGeom>
         </p:spPr>
       </p:pic>
+      <p:pic>
+        <p:nvPicPr>
+          <p:cNvPr id="9" name="图片 8">
+            <a:extLst>
+              <a:ext uri="{FF2B5EF4-FFF2-40B4-BE49-F238E27FC236}">
+                <a16:creationId xmlns:a16="http://schemas.microsoft.com/office/drawing/2014/main" id="{091A07B6-4891-4647-A374-C75C694B2AD5}"/>
+              </a:ext>
+            </a:extLst>
+          </p:cNvPr>
+          <p:cNvPicPr>
+            <a:picLocks noChangeAspect="1"/>
+          </p:cNvPicPr>
+          <p:nvPr/>
+        </p:nvPicPr>
+        <p:blipFill>
+          <a:blip r:embed="rId3">
+            <a:extLst>
+              <a:ext uri="{28A0092B-C50C-407E-A947-70E740481C1C}">
+                <a14:useLocalDpi xmlns:a14="http://schemas.microsoft.com/office/drawing/2010/main" val="0"/>
+              </a:ext>
+            </a:extLst>
+          </a:blip>
+          <a:stretch>
+            <a:fillRect/>
+          </a:stretch>
+        </p:blipFill>
+        <p:spPr>
+          <a:xfrm>
+            <a:off x="1270000" y="1270000"/>
+            <a:ext cx="63500" cy="76200"/>
+          </a:xfrm>
+          <a:prstGeom prst="rect">
+            <a:avLst/>
+          </a:prstGeom>
+        </p:spPr>
+      </p:pic>
     </p:spTree>
     <p:extLst>
       <p:ext uri="{BB962C8B-B14F-4D97-AF65-F5344CB8AC3E}">
@@ -3719,25 +3755,10 @@
           </a:p>
           <a:p>
             <a:r>
-              <a:rPr lang="en-US" altLang="zh-CN" dirty="0"/>
-              <a:t>Deadline:11</a:t>
-            </a:r>
-            <a:r>
-              <a:rPr lang="zh-CN" altLang="en-US" dirty="0"/>
-              <a:t>月</a:t>
-            </a:r>
-            <a:r>
-              <a:rPr lang="en-US" altLang="zh-CN" dirty="0"/>
-              <a:t>13</a:t>
-            </a:r>
-            <a:r>
-              <a:rPr lang="zh-CN" altLang="en-US" dirty="0"/>
-              <a:t>日</a:t>
-            </a:r>
-            <a:r>
-              <a:rPr lang="en-US" altLang="zh-CN" dirty="0"/>
-              <a:t>24:00</a:t>
-            </a:r>
+              <a:rPr lang="en-US" altLang="zh-CN"/>
+              <a:t>Deadline:</a:t>
+            </a:r>
+            <a:endParaRPr lang="en-US" altLang="zh-CN" dirty="0"/>
           </a:p>
           <a:p>
             <a:endParaRPr lang="zh-CN" altLang="en-US" dirty="0"/>
